--- a/WT-I/Unit4.pptx
+++ b/WT-I/Unit4.pptx
@@ -156,7 +156,6 @@
       </a:defRPr>
     </a:lvl9pPr>
   </p:defaultTextStyle>
-  <p:modifyVerifier cryptProviderType="rsaAES" cryptAlgorithmClass="hash" cryptAlgorithmType="typeAny" cryptAlgorithmSid="14" spinCount="100000" saltData="x5FZyNaB9vtgwWhjhP4i1Q==" hashData="KmuFAhYNhNIIwU4a+FBnATlhDKAEQ0qAJ0JFnbvJlzke52qXkkCjLnusvIlDj+2yuY0VZKyxsYqkMdnbHoYdsg=="/>
   <p:extLst>
     <p:ext uri="{EFAFB233-063F-42B5-8137-9DF3F51BA10A}">
       <p15:sldGuideLst xmlns:p15="http://schemas.microsoft.com/office/powerpoint/2012/main">
